--- a/talks/2021/Prometheus_DevOpsSalzburg/Prometheus_DevOpsSalzburg.pptx
+++ b/talks/2021/Prometheus_DevOpsSalzburg/Prometheus_DevOpsSalzburg.pptx
@@ -261,7 +261,7 @@
           <a:p>
             <a:fld id="{C764DE79-268F-4C1A-8933-263129D2AF90}" type="datetimeFigureOut">
               <a:rPr lang="en-US" dirty="0"/>
-              <a:t>5/17/2021</a:t>
+              <a:t>5/18/2021</a:t>
             </a:fld>
             <a:endParaRPr lang="en-US" dirty="0"/>
           </a:p>
@@ -303,7 +303,7 @@
           <a:p>
             <a:fld id="{48F63A3B-78C7-47BE-AE5E-E10140E04643}" type="slidenum">
               <a:rPr lang="en-US" dirty="0"/>
-              <a:t>‹Nr.›</a:t>
+              <a:t>‹#›</a:t>
             </a:fld>
             <a:endParaRPr lang="en-US" dirty="0"/>
           </a:p>
@@ -429,7 +429,7 @@
           <a:p>
             <a:fld id="{C764DE79-268F-4C1A-8933-263129D2AF90}" type="datetimeFigureOut">
               <a:rPr lang="en-US" dirty="0"/>
-              <a:t>5/17/2021</a:t>
+              <a:t>5/18/2021</a:t>
             </a:fld>
             <a:endParaRPr lang="en-US" dirty="0"/>
           </a:p>
@@ -471,7 +471,7 @@
           <a:p>
             <a:fld id="{48F63A3B-78C7-47BE-AE5E-E10140E04643}" type="slidenum">
               <a:rPr lang="en-US" dirty="0"/>
-              <a:t>‹Nr.›</a:t>
+              <a:t>‹#›</a:t>
             </a:fld>
             <a:endParaRPr lang="en-US" dirty="0"/>
           </a:p>
@@ -607,7 +607,7 @@
           <a:p>
             <a:fld id="{C764DE79-268F-4C1A-8933-263129D2AF90}" type="datetimeFigureOut">
               <a:rPr lang="en-US" dirty="0"/>
-              <a:t>5/17/2021</a:t>
+              <a:t>5/18/2021</a:t>
             </a:fld>
             <a:endParaRPr lang="en-US" dirty="0"/>
           </a:p>
@@ -649,7 +649,7 @@
           <a:p>
             <a:fld id="{48F63A3B-78C7-47BE-AE5E-E10140E04643}" type="slidenum">
               <a:rPr lang="en-US" dirty="0"/>
-              <a:t>‹Nr.›</a:t>
+              <a:t>‹#›</a:t>
             </a:fld>
             <a:endParaRPr lang="en-US" dirty="0"/>
           </a:p>
@@ -775,7 +775,7 @@
           <a:p>
             <a:fld id="{C764DE79-268F-4C1A-8933-263129D2AF90}" type="datetimeFigureOut">
               <a:rPr lang="en-US" dirty="0"/>
-              <a:t>5/17/2021</a:t>
+              <a:t>5/18/2021</a:t>
             </a:fld>
             <a:endParaRPr lang="en-US" dirty="0"/>
           </a:p>
@@ -817,7 +817,7 @@
           <a:p>
             <a:fld id="{48F63A3B-78C7-47BE-AE5E-E10140E04643}" type="slidenum">
               <a:rPr lang="en-US" dirty="0"/>
-              <a:t>‹Nr.›</a:t>
+              <a:t>‹#›</a:t>
             </a:fld>
             <a:endParaRPr lang="en-US" dirty="0"/>
           </a:p>
@@ -1020,7 +1020,7 @@
           <a:p>
             <a:fld id="{C764DE79-268F-4C1A-8933-263129D2AF90}" type="datetimeFigureOut">
               <a:rPr lang="en-US" dirty="0"/>
-              <a:t>5/17/2021</a:t>
+              <a:t>5/18/2021</a:t>
             </a:fld>
             <a:endParaRPr lang="en-US" dirty="0"/>
           </a:p>
@@ -1062,7 +1062,7 @@
           <a:p>
             <a:fld id="{48F63A3B-78C7-47BE-AE5E-E10140E04643}" type="slidenum">
               <a:rPr lang="en-US" dirty="0"/>
-              <a:t>‹Nr.›</a:t>
+              <a:t>‹#›</a:t>
             </a:fld>
             <a:endParaRPr lang="en-US" dirty="0"/>
           </a:p>
@@ -1249,7 +1249,7 @@
           <a:p>
             <a:fld id="{C764DE79-268F-4C1A-8933-263129D2AF90}" type="datetimeFigureOut">
               <a:rPr lang="en-US" dirty="0"/>
-              <a:t>5/17/2021</a:t>
+              <a:t>5/18/2021</a:t>
             </a:fld>
             <a:endParaRPr lang="en-US" dirty="0"/>
           </a:p>
@@ -1291,7 +1291,7 @@
           <a:p>
             <a:fld id="{48F63A3B-78C7-47BE-AE5E-E10140E04643}" type="slidenum">
               <a:rPr lang="en-US" dirty="0"/>
-              <a:t>‹Nr.›</a:t>
+              <a:t>‹#›</a:t>
             </a:fld>
             <a:endParaRPr lang="en-US" dirty="0"/>
           </a:p>
@@ -1613,7 +1613,7 @@
           <a:p>
             <a:fld id="{C764DE79-268F-4C1A-8933-263129D2AF90}" type="datetimeFigureOut">
               <a:rPr lang="en-US" dirty="0"/>
-              <a:t>5/17/2021</a:t>
+              <a:t>5/18/2021</a:t>
             </a:fld>
             <a:endParaRPr lang="en-US" dirty="0"/>
           </a:p>
@@ -1655,7 +1655,7 @@
           <a:p>
             <a:fld id="{48F63A3B-78C7-47BE-AE5E-E10140E04643}" type="slidenum">
               <a:rPr lang="en-US" dirty="0"/>
-              <a:t>‹Nr.›</a:t>
+              <a:t>‹#›</a:t>
             </a:fld>
             <a:endParaRPr lang="en-US" dirty="0"/>
           </a:p>
@@ -1730,7 +1730,7 @@
           <a:p>
             <a:fld id="{C764DE79-268F-4C1A-8933-263129D2AF90}" type="datetimeFigureOut">
               <a:rPr lang="en-US" dirty="0"/>
-              <a:t>5/17/2021</a:t>
+              <a:t>5/18/2021</a:t>
             </a:fld>
             <a:endParaRPr lang="en-US" dirty="0"/>
           </a:p>
@@ -1772,7 +1772,7 @@
           <a:p>
             <a:fld id="{48F63A3B-78C7-47BE-AE5E-E10140E04643}" type="slidenum">
               <a:rPr lang="en-US" dirty="0"/>
-              <a:t>‹Nr.›</a:t>
+              <a:t>‹#›</a:t>
             </a:fld>
             <a:endParaRPr lang="en-US" dirty="0"/>
           </a:p>
@@ -1825,7 +1825,7 @@
           <a:p>
             <a:fld id="{C764DE79-268F-4C1A-8933-263129D2AF90}" type="datetimeFigureOut">
               <a:rPr lang="en-US" dirty="0"/>
-              <a:t>5/17/2021</a:t>
+              <a:t>5/18/2021</a:t>
             </a:fld>
             <a:endParaRPr lang="en-US" dirty="0"/>
           </a:p>
@@ -1867,7 +1867,7 @@
           <a:p>
             <a:fld id="{48F63A3B-78C7-47BE-AE5E-E10140E04643}" type="slidenum">
               <a:rPr lang="en-US" dirty="0"/>
-              <a:t>‹Nr.›</a:t>
+              <a:t>‹#›</a:t>
             </a:fld>
             <a:endParaRPr lang="en-US" dirty="0"/>
           </a:p>
@@ -2100,7 +2100,7 @@
           <a:p>
             <a:fld id="{C764DE79-268F-4C1A-8933-263129D2AF90}" type="datetimeFigureOut">
               <a:rPr lang="en-US" dirty="0"/>
-              <a:t>5/17/2021</a:t>
+              <a:t>5/18/2021</a:t>
             </a:fld>
             <a:endParaRPr lang="en-US" dirty="0"/>
           </a:p>
@@ -2142,7 +2142,7 @@
           <a:p>
             <a:fld id="{48F63A3B-78C7-47BE-AE5E-E10140E04643}" type="slidenum">
               <a:rPr lang="en-US" dirty="0"/>
-              <a:t>‹Nr.›</a:t>
+              <a:t>‹#›</a:t>
             </a:fld>
             <a:endParaRPr lang="en-US" dirty="0"/>
           </a:p>
@@ -2352,7 +2352,7 @@
           <a:p>
             <a:fld id="{C764DE79-268F-4C1A-8933-263129D2AF90}" type="datetimeFigureOut">
               <a:rPr lang="en-US" dirty="0"/>
-              <a:t>5/17/2021</a:t>
+              <a:t>5/18/2021</a:t>
             </a:fld>
             <a:endParaRPr lang="en-US" dirty="0"/>
           </a:p>
@@ -2394,7 +2394,7 @@
           <a:p>
             <a:fld id="{48F63A3B-78C7-47BE-AE5E-E10140E04643}" type="slidenum">
               <a:rPr lang="en-US" dirty="0"/>
-              <a:t>‹Nr.›</a:t>
+              <a:t>‹#›</a:t>
             </a:fld>
             <a:endParaRPr lang="en-US" dirty="0"/>
           </a:p>
@@ -2563,7 +2563,7 @@
           <a:p>
             <a:fld id="{C764DE79-268F-4C1A-8933-263129D2AF90}" type="datetimeFigureOut">
               <a:rPr lang="en-US" dirty="0"/>
-              <a:t>5/17/2021</a:t>
+              <a:t>5/18/2021</a:t>
             </a:fld>
             <a:endParaRPr lang="en-US" dirty="0"/>
           </a:p>
@@ -2641,7 +2641,7 @@
           <a:p>
             <a:fld id="{48F63A3B-78C7-47BE-AE5E-E10140E04643}" type="slidenum">
               <a:rPr lang="en-US" dirty="0"/>
-              <a:t>‹Nr.›</a:t>
+              <a:t>‹#›</a:t>
             </a:fld>
             <a:endParaRPr lang="en-US" dirty="0"/>
           </a:p>
@@ -11304,7 +11304,7 @@
         <p:spPr>
           <a:xfrm>
             <a:off x="364749" y="2077638"/>
-            <a:ext cx="9920174" cy="2031325"/>
+            <a:ext cx="9920174" cy="2862322"/>
           </a:xfrm>
           <a:prstGeom prst="rect">
             <a:avLst/>
@@ -11396,7 +11396,7 @@
               </a:rPr>
               <a:t>https://prometheus.io</a:t>
             </a:r>
-            <a:endParaRPr lang="de-DE">
+            <a:endParaRPr lang="de-DE" dirty="0">
               <a:latin typeface="Posterama"/>
               <a:ea typeface="+mn-lt"/>
               <a:cs typeface="+mn-lt"/>
@@ -11419,7 +11419,7 @@
               </a:rPr>
               <a:t>https://training.promlabs.com/</a:t>
             </a:r>
-            <a:endParaRPr lang="de-DE">
+            <a:endParaRPr lang="de-DE" dirty="0">
               <a:latin typeface="Posterama"/>
               <a:cs typeface="Calibri"/>
             </a:endParaRPr>
@@ -11484,7 +11484,48 @@
               </a:rPr>
               <a:t> Videos!</a:t>
             </a:r>
-            <a:endParaRPr lang="de-DE">
+          </a:p>
+          <a:p>
+            <a:endParaRPr lang="de-DE" dirty="0">
+              <a:latin typeface="Posterama"/>
+              <a:ea typeface="+mn-lt"/>
+              <a:cs typeface="+mn-lt"/>
+            </a:endParaRPr>
+          </a:p>
+          <a:p>
+            <a:r>
+              <a:rPr lang="de-DE" dirty="0">
+                <a:latin typeface="Posterama"/>
+                <a:hlinkClick r:id="rId7"/>
+              </a:rPr>
+              <a:t>https://github.com/roaldnefs/awesome-prometheus</a:t>
+            </a:r>
+            <a:r>
+              <a:rPr lang="de-DE" dirty="0">
+                <a:latin typeface="Posterama"/>
+                <a:ea typeface="+mn-lt"/>
+                <a:cs typeface="+mn-lt"/>
+              </a:rPr>
+              <a:t> &lt;- Gute Link Sammlung</a:t>
+            </a:r>
+          </a:p>
+          <a:p>
+            <a:r>
+              <a:rPr lang="de-DE" dirty="0">
+                <a:latin typeface="Posterama"/>
+                <a:hlinkClick r:id="rId8"/>
+              </a:rPr>
+              <a:t>https://github.com/samber/awesome-prometheus-alerts</a:t>
+            </a:r>
+            <a:r>
+              <a:rPr lang="de-DE" dirty="0">
+                <a:latin typeface="Posterama"/>
+                <a:ea typeface="+mn-lt"/>
+                <a:cs typeface="+mn-lt"/>
+              </a:rPr>
+              <a:t> &lt;- Gute Alert Rules Sammlung</a:t>
+            </a:r>
+            <a:endParaRPr lang="de-DE" dirty="0">
               <a:latin typeface="Posterama"/>
             </a:endParaRPr>
           </a:p>
